--- a/PPT/4 - Introducing Forecasting.pptx
+++ b/PPT/4 - Introducing Forecasting.pptx
@@ -8,6 +8,7 @@
     <p:sldId id="256" r:id="rId2"/>
     <p:sldId id="257" r:id="rId3"/>
     <p:sldId id="258" r:id="rId4"/>
+    <p:sldId id="259" r:id="rId5"/>
   </p:sldIdLst>
   <p:sldSz cx="12192000" cy="6858000"/>
   <p:notesSz cx="6858000" cy="9144000"/>
@@ -106,6 +107,11 @@
       </a:defRPr>
     </a:lvl9pPr>
   </p:defaultTextStyle>
+  <p:extLst>
+    <p:ext uri="{EFAFB233-063F-42B5-8137-9DF3F51BA10A}">
+      <p15:sldGuideLst xmlns:p15="http://schemas.microsoft.com/office/powerpoint/2012/main"/>
+    </p:ext>
+  </p:extLst>
 </p:presentation>
 </file>
 
@@ -114,7 +120,7 @@
   <pc:docChgLst>
     <pc:chgData name="Jochen Mariën" userId="a4f8d9ed-3895-4365-b2d5-9432cb8a20d4" providerId="ADAL" clId="{FB32C7FD-0509-4EDD-9AC0-6F8B38AB417B}"/>
     <pc:docChg chg="custSel addSld modSld addSection delSection">
-      <pc:chgData name="Jochen Mariën" userId="a4f8d9ed-3895-4365-b2d5-9432cb8a20d4" providerId="ADAL" clId="{FB32C7FD-0509-4EDD-9AC0-6F8B38AB417B}" dt="2023-06-14T09:33:11.163" v="25" actId="20577"/>
+      <pc:chgData name="Jochen Mariën" userId="a4f8d9ed-3895-4365-b2d5-9432cb8a20d4" providerId="ADAL" clId="{FB32C7FD-0509-4EDD-9AC0-6F8B38AB417B}" dt="2023-06-15T13:53:50.154" v="187" actId="15"/>
       <pc:docMkLst>
         <pc:docMk/>
       </pc:docMkLst>
@@ -163,6 +169,21 @@
           </ac:spMkLst>
         </pc:spChg>
       </pc:sldChg>
+      <pc:sldChg chg="modSp new mod">
+        <pc:chgData name="Jochen Mariën" userId="a4f8d9ed-3895-4365-b2d5-9432cb8a20d4" providerId="ADAL" clId="{FB32C7FD-0509-4EDD-9AC0-6F8B38AB417B}" dt="2023-06-15T13:53:50.154" v="187" actId="15"/>
+        <pc:sldMkLst>
+          <pc:docMk/>
+          <pc:sldMk cId="622837140" sldId="259"/>
+        </pc:sldMkLst>
+        <pc:spChg chg="mod">
+          <ac:chgData name="Jochen Mariën" userId="a4f8d9ed-3895-4365-b2d5-9432cb8a20d4" providerId="ADAL" clId="{FB32C7FD-0509-4EDD-9AC0-6F8B38AB417B}" dt="2023-06-15T13:53:50.154" v="187" actId="15"/>
+          <ac:spMkLst>
+            <pc:docMk/>
+            <pc:sldMk cId="622837140" sldId="259"/>
+            <ac:spMk id="3" creationId="{605301FA-3E44-5AB3-25C5-C7E712B007DA}"/>
+          </ac:spMkLst>
+        </pc:spChg>
+      </pc:sldChg>
     </pc:docChg>
   </pc:docChgLst>
 </pc:chgInfo>
@@ -317,7 +338,7 @@
           <a:p>
             <a:fld id="{0A025F04-382C-4C80-BC64-4D467101E4D2}" type="datetimeFigureOut">
               <a:rPr lang="en-BE" smtClean="0"/>
-              <a:t>14/06/2023</a:t>
+              <a:t>15/06/2023</a:t>
             </a:fld>
             <a:endParaRPr lang="en-BE"/>
           </a:p>
@@ -517,7 +538,7 @@
           <a:p>
             <a:fld id="{0A025F04-382C-4C80-BC64-4D467101E4D2}" type="datetimeFigureOut">
               <a:rPr lang="en-BE" smtClean="0"/>
-              <a:t>14/06/2023</a:t>
+              <a:t>15/06/2023</a:t>
             </a:fld>
             <a:endParaRPr lang="en-BE"/>
           </a:p>
@@ -727,7 +748,7 @@
           <a:p>
             <a:fld id="{0A025F04-382C-4C80-BC64-4D467101E4D2}" type="datetimeFigureOut">
               <a:rPr lang="en-BE" smtClean="0"/>
-              <a:t>14/06/2023</a:t>
+              <a:t>15/06/2023</a:t>
             </a:fld>
             <a:endParaRPr lang="en-BE"/>
           </a:p>
@@ -927,7 +948,7 @@
           <a:p>
             <a:fld id="{0A025F04-382C-4C80-BC64-4D467101E4D2}" type="datetimeFigureOut">
               <a:rPr lang="en-BE" smtClean="0"/>
-              <a:t>14/06/2023</a:t>
+              <a:t>15/06/2023</a:t>
             </a:fld>
             <a:endParaRPr lang="en-BE"/>
           </a:p>
@@ -1203,7 +1224,7 @@
           <a:p>
             <a:fld id="{0A025F04-382C-4C80-BC64-4D467101E4D2}" type="datetimeFigureOut">
               <a:rPr lang="en-BE" smtClean="0"/>
-              <a:t>14/06/2023</a:t>
+              <a:t>15/06/2023</a:t>
             </a:fld>
             <a:endParaRPr lang="en-BE"/>
           </a:p>
@@ -1471,7 +1492,7 @@
           <a:p>
             <a:fld id="{0A025F04-382C-4C80-BC64-4D467101E4D2}" type="datetimeFigureOut">
               <a:rPr lang="en-BE" smtClean="0"/>
-              <a:t>14/06/2023</a:t>
+              <a:t>15/06/2023</a:t>
             </a:fld>
             <a:endParaRPr lang="en-BE"/>
           </a:p>
@@ -1886,7 +1907,7 @@
           <a:p>
             <a:fld id="{0A025F04-382C-4C80-BC64-4D467101E4D2}" type="datetimeFigureOut">
               <a:rPr lang="en-BE" smtClean="0"/>
-              <a:t>14/06/2023</a:t>
+              <a:t>15/06/2023</a:t>
             </a:fld>
             <a:endParaRPr lang="en-BE"/>
           </a:p>
@@ -2028,7 +2049,7 @@
           <a:p>
             <a:fld id="{0A025F04-382C-4C80-BC64-4D467101E4D2}" type="datetimeFigureOut">
               <a:rPr lang="en-BE" smtClean="0"/>
-              <a:t>14/06/2023</a:t>
+              <a:t>15/06/2023</a:t>
             </a:fld>
             <a:endParaRPr lang="en-BE"/>
           </a:p>
@@ -2141,7 +2162,7 @@
           <a:p>
             <a:fld id="{0A025F04-382C-4C80-BC64-4D467101E4D2}" type="datetimeFigureOut">
               <a:rPr lang="en-BE" smtClean="0"/>
-              <a:t>14/06/2023</a:t>
+              <a:t>15/06/2023</a:t>
             </a:fld>
             <a:endParaRPr lang="en-BE"/>
           </a:p>
@@ -2454,7 +2475,7 @@
           <a:p>
             <a:fld id="{0A025F04-382C-4C80-BC64-4D467101E4D2}" type="datetimeFigureOut">
               <a:rPr lang="en-BE" smtClean="0"/>
-              <a:t>14/06/2023</a:t>
+              <a:t>15/06/2023</a:t>
             </a:fld>
             <a:endParaRPr lang="en-BE"/>
           </a:p>
@@ -2743,7 +2764,7 @@
           <a:p>
             <a:fld id="{0A025F04-382C-4C80-BC64-4D467101E4D2}" type="datetimeFigureOut">
               <a:rPr lang="en-BE" smtClean="0"/>
-              <a:t>14/06/2023</a:t>
+              <a:t>15/06/2023</a:t>
             </a:fld>
             <a:endParaRPr lang="en-BE"/>
           </a:p>
@@ -2986,7 +3007,7 @@
           <a:p>
             <a:fld id="{0A025F04-382C-4C80-BC64-4D467101E4D2}" type="datetimeFigureOut">
               <a:rPr lang="en-BE" smtClean="0"/>
-              <a:t>14/06/2023</a:t>
+              <a:t>15/06/2023</a:t>
             </a:fld>
             <a:endParaRPr lang="en-BE"/>
           </a:p>
@@ -3674,6 +3695,156 @@
 </p:sld>
 </file>
 
+<file path=ppt/slides/slide4.xml><?xml version="1.0" encoding="utf-8"?>
+<p:sld xmlns:a="http://schemas.openxmlformats.org/drawingml/2006/main" xmlns:r="http://schemas.openxmlformats.org/officeDocument/2006/relationships" xmlns:p="http://schemas.openxmlformats.org/presentationml/2006/main">
+  <p:cSld>
+    <p:spTree>
+      <p:nvGrpSpPr>
+        <p:cNvPr id="1" name=""/>
+        <p:cNvGrpSpPr/>
+        <p:nvPr/>
+      </p:nvGrpSpPr>
+      <p:grpSpPr>
+        <a:xfrm>
+          <a:off x="0" y="0"/>
+          <a:ext cx="0" cy="0"/>
+          <a:chOff x="0" y="0"/>
+          <a:chExt cx="0" cy="0"/>
+        </a:xfrm>
+      </p:grpSpPr>
+      <p:sp>
+        <p:nvSpPr>
+          <p:cNvPr id="2" name="Title 1">
+            <a:extLst>
+              <a:ext uri="{FF2B5EF4-FFF2-40B4-BE49-F238E27FC236}">
+                <a16:creationId xmlns:a16="http://schemas.microsoft.com/office/drawing/2014/main" id="{C0E289BB-CEF8-2D4A-56A2-D6E2E7C76C0D}"/>
+              </a:ext>
+            </a:extLst>
+          </p:cNvPr>
+          <p:cNvSpPr>
+            <a:spLocks noGrp="1"/>
+          </p:cNvSpPr>
+          <p:nvPr>
+            <p:ph type="title"/>
+          </p:nvPr>
+        </p:nvSpPr>
+        <p:spPr/>
+        <p:txBody>
+          <a:bodyPr/>
+          <a:lstStyle/>
+          <a:p>
+            <a:endParaRPr lang="en-BE"/>
+          </a:p>
+        </p:txBody>
+      </p:sp>
+      <p:sp>
+        <p:nvSpPr>
+          <p:cNvPr id="3" name="Content Placeholder 2">
+            <a:extLst>
+              <a:ext uri="{FF2B5EF4-FFF2-40B4-BE49-F238E27FC236}">
+                <a16:creationId xmlns:a16="http://schemas.microsoft.com/office/drawing/2014/main" id="{605301FA-3E44-5AB3-25C5-C7E712B007DA}"/>
+              </a:ext>
+            </a:extLst>
+          </p:cNvPr>
+          <p:cNvSpPr>
+            <a:spLocks noGrp="1"/>
+          </p:cNvSpPr>
+          <p:nvPr>
+            <p:ph idx="1"/>
+          </p:nvPr>
+        </p:nvSpPr>
+        <p:spPr/>
+        <p:txBody>
+          <a:bodyPr/>
+          <a:lstStyle/>
+          <a:p>
+            <a:r>
+              <a:rPr lang="en-US" dirty="0"/>
+              <a:t>Section 1:</a:t>
+            </a:r>
+          </a:p>
+          <a:p>
+            <a:pPr lvl="1"/>
+            <a:r>
+              <a:rPr lang="en-US" dirty="0"/>
+              <a:t>Nice to know</a:t>
+            </a:r>
+          </a:p>
+          <a:p>
+            <a:r>
+              <a:rPr lang="en-US" dirty="0"/>
+              <a:t>Section 2:</a:t>
+            </a:r>
+          </a:p>
+          <a:p>
+            <a:pPr lvl="1"/>
+            <a:r>
+              <a:rPr lang="en-US" dirty="0"/>
+              <a:t>Moving average, forward fill, </a:t>
+            </a:r>
+            <a:r>
+              <a:rPr lang="en-US" dirty="0" err="1"/>
+              <a:t>backword</a:t>
+            </a:r>
+            <a:r>
+              <a:rPr lang="en-US" dirty="0"/>
+              <a:t> fill, interpolation</a:t>
+            </a:r>
+          </a:p>
+          <a:p>
+            <a:pPr lvl="1"/>
+            <a:r>
+              <a:rPr lang="en-US" dirty="0" err="1"/>
+              <a:t>Downsampling</a:t>
+            </a:r>
+            <a:r>
+              <a:rPr lang="en-US" dirty="0"/>
+              <a:t>, </a:t>
+            </a:r>
+            <a:r>
+              <a:rPr lang="en-US" dirty="0" err="1"/>
+              <a:t>upsampling</a:t>
+            </a:r>
+            <a:endParaRPr lang="en-US" dirty="0"/>
+          </a:p>
+          <a:p>
+            <a:pPr lvl="1"/>
+            <a:r>
+              <a:rPr lang="en-US" dirty="0"/>
+              <a:t>Smoothing function</a:t>
+            </a:r>
+          </a:p>
+          <a:p>
+            <a:pPr lvl="1"/>
+            <a:r>
+              <a:rPr lang="en-US"/>
+              <a:t>Seasonality</a:t>
+            </a:r>
+            <a:endParaRPr lang="en-US" dirty="0"/>
+          </a:p>
+          <a:p>
+            <a:pPr lvl="1"/>
+            <a:endParaRPr lang="en-US" dirty="0"/>
+          </a:p>
+          <a:p>
+            <a:pPr lvl="1"/>
+            <a:endParaRPr lang="en-BE" dirty="0"/>
+          </a:p>
+        </p:txBody>
+      </p:sp>
+    </p:spTree>
+    <p:extLst>
+      <p:ext uri="{BB962C8B-B14F-4D97-AF65-F5344CB8AC3E}">
+        <p14:creationId xmlns:p14="http://schemas.microsoft.com/office/powerpoint/2010/main" val="622837140"/>
+      </p:ext>
+    </p:extLst>
+  </p:cSld>
+  <p:clrMapOvr>
+    <a:masterClrMapping/>
+  </p:clrMapOvr>
+</p:sld>
+</file>
+
 <file path=ppt/theme/theme1.xml><?xml version="1.0" encoding="utf-8"?>
 <a:theme xmlns:a="http://schemas.openxmlformats.org/drawingml/2006/main" name="Office Theme">
   <a:themeElements>
